--- a/Projet Morse.pptx
+++ b/Projet Morse.pptx
@@ -121,6 +121,18 @@
     </a:lvl9pPr>
   </p:defaultTextStyle>
 </p:presentation>
+</file>
+
+<file path=ppt/commentAuthors.xml><?xml version="1.0" encoding="utf-8"?>
+<p:cmAuthorLst xmlns:a="http://schemas.openxmlformats.org/drawingml/2006/main" xmlns:r="http://schemas.openxmlformats.org/officeDocument/2006/relationships" xmlns:p="http://schemas.openxmlformats.org/presentationml/2006/main">
+  <p:cmAuthor id="1" name="Lahrar El Hassance" initials="LEH" lastIdx="1" clrIdx="0">
+    <p:extLst>
+      <p:ext uri="{19B8F6BF-5375-455C-9EA6-DF929625EA0E}">
+        <p15:presenceInfo xmlns:p15="http://schemas.microsoft.com/office/powerpoint/2012/main" userId="Lahrar El Hassance" providerId="None"/>
+      </p:ext>
+    </p:extLst>
+  </p:cmAuthor>
+</p:cmAuthorLst>
 </file>
 
 <file path=ppt/handoutMasters/handoutMaster1.xml><?xml version="1.0" encoding="utf-8"?>
@@ -8217,7 +8229,7 @@
         </p:nvSpPr>
         <p:spPr>
           <a:xfrm>
-            <a:off x="1951890" y="2322082"/>
+            <a:off x="1802420" y="1970390"/>
             <a:ext cx="8176847" cy="1177256"/>
           </a:xfrm>
         </p:spPr>
@@ -8344,7 +8356,7 @@
         </p:nvSpPr>
         <p:spPr>
           <a:xfrm>
-            <a:off x="10093604" y="6013884"/>
+            <a:off x="10093604" y="5732531"/>
             <a:ext cx="2086356" cy="369332"/>
           </a:xfrm>
           <a:prstGeom prst="rect">
@@ -8429,44 +8441,6 @@
       </p:grpSpPr>
       <p:sp>
         <p:nvSpPr>
-          <p:cNvPr id="2" name="Titre 1"/>
-          <p:cNvSpPr>
-            <a:spLocks noGrp="1"/>
-          </p:cNvSpPr>
-          <p:nvPr>
-            <p:ph type="title"/>
-          </p:nvPr>
-        </p:nvSpPr>
-        <p:spPr/>
-        <p:txBody>
-          <a:bodyPr/>
-          <a:lstStyle/>
-          <a:p>
-            <a:endParaRPr lang="fr-FR"/>
-          </a:p>
-        </p:txBody>
-      </p:sp>
-      <p:sp>
-        <p:nvSpPr>
-          <p:cNvPr id="3" name="Espace réservé du contenu 2"/>
-          <p:cNvSpPr>
-            <a:spLocks noGrp="1"/>
-          </p:cNvSpPr>
-          <p:nvPr>
-            <p:ph idx="1"/>
-          </p:nvPr>
-        </p:nvSpPr>
-        <p:spPr/>
-        <p:txBody>
-          <a:bodyPr/>
-          <a:lstStyle/>
-          <a:p>
-            <a:endParaRPr lang="fr-FR"/>
-          </a:p>
-        </p:txBody>
-      </p:sp>
-      <p:sp>
-        <p:nvSpPr>
           <p:cNvPr id="4" name="Espace réservé du numéro de diapositive 3"/>
           <p:cNvSpPr>
             <a:spLocks noGrp="1"/>
@@ -8485,6 +8459,135 @@
               <a:t>10</a:t>
             </a:fld>
             <a:endParaRPr lang="fr-FR"/>
+          </a:p>
+        </p:txBody>
+      </p:sp>
+      <p:pic>
+        <p:nvPicPr>
+          <p:cNvPr id="5" name="Image 4"/>
+          <p:cNvPicPr>
+            <a:picLocks noChangeAspect="1"/>
+          </p:cNvPicPr>
+          <p:nvPr/>
+        </p:nvPicPr>
+        <p:blipFill>
+          <a:blip r:embed="rId2" cstate="print">
+            <a:extLst>
+              <a:ext uri="{28A0092B-C50C-407E-A947-70E740481C1C}">
+                <a14:useLocalDpi xmlns:a14="http://schemas.microsoft.com/office/drawing/2010/main" val="0"/>
+              </a:ext>
+            </a:extLst>
+          </a:blip>
+          <a:stretch>
+            <a:fillRect/>
+          </a:stretch>
+        </p:blipFill>
+        <p:spPr>
+          <a:xfrm>
+            <a:off x="10367772" y="13258"/>
+            <a:ext cx="1812188" cy="1175535"/>
+          </a:xfrm>
+          <a:prstGeom prst="rect">
+            <a:avLst/>
+          </a:prstGeom>
+        </p:spPr>
+      </p:pic>
+      <p:sp>
+        <p:nvSpPr>
+          <p:cNvPr id="6" name="Rectangle 5"/>
+          <p:cNvSpPr/>
+          <p:nvPr/>
+        </p:nvSpPr>
+        <p:spPr>
+          <a:xfrm>
+            <a:off x="1892877" y="339415"/>
+            <a:ext cx="4094391" cy="523220"/>
+          </a:xfrm>
+          <a:prstGeom prst="rect">
+            <a:avLst/>
+          </a:prstGeom>
+        </p:spPr>
+        <p:txBody>
+          <a:bodyPr wrap="none">
+            <a:spAutoFit/>
+          </a:bodyPr>
+          <a:lstStyle/>
+          <a:p>
+            <a:r>
+              <a:rPr lang="fr-FR" sz="2800" b="1" dirty="0" smtClean="0"/>
+              <a:t>Amélioration possibles</a:t>
+            </a:r>
+            <a:endParaRPr lang="fr-FR" sz="2800" b="1" dirty="0"/>
+          </a:p>
+        </p:txBody>
+      </p:sp>
+      <p:sp>
+        <p:nvSpPr>
+          <p:cNvPr id="7" name="ZoneTexte 6"/>
+          <p:cNvSpPr txBox="1"/>
+          <p:nvPr/>
+        </p:nvSpPr>
+        <p:spPr>
+          <a:xfrm>
+            <a:off x="1612889" y="2687646"/>
+            <a:ext cx="9052179" cy="2200602"/>
+          </a:xfrm>
+          <a:prstGeom prst="rect">
+            <a:avLst/>
+          </a:prstGeom>
+          <a:noFill/>
+        </p:spPr>
+        <p:txBody>
+          <a:bodyPr wrap="square" rtlCol="0">
+            <a:spAutoFit/>
+          </a:bodyPr>
+          <a:lstStyle/>
+          <a:p>
+            <a:pPr marL="285750" indent="-285750">
+              <a:buFont typeface="Wingdings" panose="05000000000000000000" pitchFamily="2" charset="2"/>
+              <a:buChar char="ü"/>
+            </a:pPr>
+            <a:r>
+              <a:rPr lang="fr-FR" dirty="0" smtClean="0"/>
+              <a:t>Inversion du fonctionnement du code : créer un message morse sur la carte avec un bouton et l’afficher sur le terminal </a:t>
+            </a:r>
+          </a:p>
+          <a:p>
+            <a:pPr marL="285750" indent="-285750">
+              <a:buFont typeface="Wingdings" panose="05000000000000000000" pitchFamily="2" charset="2"/>
+              <a:buChar char="ü"/>
+            </a:pPr>
+            <a:endParaRPr lang="fr-FR" dirty="0"/>
+          </a:p>
+          <a:p>
+            <a:pPr marL="285750" indent="-285750">
+              <a:buFont typeface="Wingdings" panose="05000000000000000000" pitchFamily="2" charset="2"/>
+              <a:buChar char="ü"/>
+            </a:pPr>
+            <a:r>
+              <a:rPr lang="fr-FR" dirty="0" smtClean="0"/>
+              <a:t>Extension aux caractères internationaux </a:t>
+            </a:r>
+          </a:p>
+          <a:p>
+            <a:endParaRPr lang="fr-FR" dirty="0"/>
+          </a:p>
+          <a:p>
+            <a:pPr marL="285750" indent="-285750">
+              <a:buFont typeface="Wingdings" panose="05000000000000000000" pitchFamily="2" charset="2"/>
+              <a:buChar char="ü"/>
+            </a:pPr>
+            <a:endParaRPr lang="fr-FR" dirty="0" smtClean="0"/>
+          </a:p>
+          <a:p>
+            <a:endParaRPr lang="fr-FR" dirty="0"/>
+          </a:p>
+          <a:p>
+            <a:endParaRPr lang="fr-FR" sz="1100" b="1" dirty="0">
+              <a:solidFill>
+                <a:srgbClr val="FF0000"/>
+              </a:solidFill>
+            </a:endParaRPr>
           </a:p>
         </p:txBody>
       </p:sp>
@@ -8520,44 +8623,6 @@
       </p:grpSpPr>
       <p:sp>
         <p:nvSpPr>
-          <p:cNvPr id="2" name="Titre 1"/>
-          <p:cNvSpPr>
-            <a:spLocks noGrp="1"/>
-          </p:cNvSpPr>
-          <p:nvPr>
-            <p:ph type="title"/>
-          </p:nvPr>
-        </p:nvSpPr>
-        <p:spPr/>
-        <p:txBody>
-          <a:bodyPr/>
-          <a:lstStyle/>
-          <a:p>
-            <a:endParaRPr lang="fr-FR"/>
-          </a:p>
-        </p:txBody>
-      </p:sp>
-      <p:sp>
-        <p:nvSpPr>
-          <p:cNvPr id="3" name="Espace réservé du contenu 2"/>
-          <p:cNvSpPr>
-            <a:spLocks noGrp="1"/>
-          </p:cNvSpPr>
-          <p:nvPr>
-            <p:ph idx="1"/>
-          </p:nvPr>
-        </p:nvSpPr>
-        <p:spPr/>
-        <p:txBody>
-          <a:bodyPr/>
-          <a:lstStyle/>
-          <a:p>
-            <a:endParaRPr lang="fr-FR"/>
-          </a:p>
-        </p:txBody>
-      </p:sp>
-      <p:sp>
-        <p:nvSpPr>
           <p:cNvPr id="4" name="Espace réservé du numéro de diapositive 3"/>
           <p:cNvSpPr>
             <a:spLocks noGrp="1"/>
@@ -8576,6 +8641,200 @@
               <a:t>11</a:t>
             </a:fld>
             <a:endParaRPr lang="fr-FR"/>
+          </a:p>
+        </p:txBody>
+      </p:sp>
+      <p:pic>
+        <p:nvPicPr>
+          <p:cNvPr id="5" name="Image 4"/>
+          <p:cNvPicPr>
+            <a:picLocks noChangeAspect="1"/>
+          </p:cNvPicPr>
+          <p:nvPr/>
+        </p:nvPicPr>
+        <p:blipFill>
+          <a:blip r:embed="rId2" cstate="print">
+            <a:extLst>
+              <a:ext uri="{28A0092B-C50C-407E-A947-70E740481C1C}">
+                <a14:useLocalDpi xmlns:a14="http://schemas.microsoft.com/office/drawing/2010/main" val="0"/>
+              </a:ext>
+            </a:extLst>
+          </a:blip>
+          <a:stretch>
+            <a:fillRect/>
+          </a:stretch>
+        </p:blipFill>
+        <p:spPr>
+          <a:xfrm>
+            <a:off x="10367772" y="13258"/>
+            <a:ext cx="1812188" cy="1175535"/>
+          </a:xfrm>
+          <a:prstGeom prst="rect">
+            <a:avLst/>
+          </a:prstGeom>
+        </p:spPr>
+      </p:pic>
+      <p:sp>
+        <p:nvSpPr>
+          <p:cNvPr id="6" name="Rectangle 5"/>
+          <p:cNvSpPr/>
+          <p:nvPr/>
+        </p:nvSpPr>
+        <p:spPr>
+          <a:xfrm>
+            <a:off x="1892877" y="339415"/>
+            <a:ext cx="2129109" cy="523220"/>
+          </a:xfrm>
+          <a:prstGeom prst="rect">
+            <a:avLst/>
+          </a:prstGeom>
+        </p:spPr>
+        <p:txBody>
+          <a:bodyPr wrap="none">
+            <a:spAutoFit/>
+          </a:bodyPr>
+          <a:lstStyle/>
+          <a:p>
+            <a:r>
+              <a:rPr lang="fr-FR" sz="2800" b="1" dirty="0" smtClean="0"/>
+              <a:t>Conclusion</a:t>
+            </a:r>
+            <a:endParaRPr lang="fr-FR" sz="2800" b="1" dirty="0"/>
+          </a:p>
+        </p:txBody>
+      </p:sp>
+      <p:sp>
+        <p:nvSpPr>
+          <p:cNvPr id="7" name="ZoneTexte 6"/>
+          <p:cNvSpPr txBox="1"/>
+          <p:nvPr/>
+        </p:nvSpPr>
+        <p:spPr>
+          <a:xfrm>
+            <a:off x="1639266" y="1527062"/>
+            <a:ext cx="9052179" cy="2477601"/>
+          </a:xfrm>
+          <a:prstGeom prst="rect">
+            <a:avLst/>
+          </a:prstGeom>
+          <a:noFill/>
+        </p:spPr>
+        <p:txBody>
+          <a:bodyPr wrap="square" rtlCol="0">
+            <a:spAutoFit/>
+          </a:bodyPr>
+          <a:lstStyle/>
+          <a:p>
+            <a:pPr marL="285750" indent="-285750">
+              <a:buFont typeface="Wingdings" panose="05000000000000000000" pitchFamily="2" charset="2"/>
+              <a:buChar char="ü"/>
+            </a:pPr>
+            <a:r>
+              <a:rPr lang="fr-FR" dirty="0" smtClean="0"/>
+              <a:t>Défi technique : La logique de la programmation et la modularité du code </a:t>
+            </a:r>
+          </a:p>
+          <a:p>
+            <a:pPr marL="285750" indent="-285750">
+              <a:buFont typeface="Wingdings" panose="05000000000000000000" pitchFamily="2" charset="2"/>
+              <a:buChar char="ü"/>
+            </a:pPr>
+            <a:endParaRPr lang="fr-FR" dirty="0"/>
+          </a:p>
+          <a:p>
+            <a:pPr marL="285750" indent="-285750">
+              <a:buFont typeface="Wingdings" panose="05000000000000000000" pitchFamily="2" charset="2"/>
+              <a:buChar char="ü"/>
+            </a:pPr>
+            <a:endParaRPr lang="fr-FR" dirty="0" smtClean="0"/>
+          </a:p>
+          <a:p>
+            <a:pPr marL="285750" indent="-285750">
+              <a:buFont typeface="Wingdings" panose="05000000000000000000" pitchFamily="2" charset="2"/>
+              <a:buChar char="ü"/>
+            </a:pPr>
+            <a:r>
+              <a:rPr lang="fr-FR" dirty="0" smtClean="0"/>
+              <a:t>Défi humain : savoir travailler en équipe en équilibrant le partage des taches à effectuer </a:t>
+            </a:r>
+          </a:p>
+          <a:p>
+            <a:endParaRPr lang="fr-FR" dirty="0"/>
+          </a:p>
+          <a:p>
+            <a:pPr marL="285750" indent="-285750">
+              <a:buFont typeface="Wingdings" panose="05000000000000000000" pitchFamily="2" charset="2"/>
+              <a:buChar char="ü"/>
+            </a:pPr>
+            <a:endParaRPr lang="fr-FR" dirty="0" smtClean="0"/>
+          </a:p>
+          <a:p>
+            <a:endParaRPr lang="fr-FR" dirty="0"/>
+          </a:p>
+          <a:p>
+            <a:endParaRPr lang="fr-FR" sz="1100" b="1" dirty="0">
+              <a:solidFill>
+                <a:srgbClr val="FF0000"/>
+              </a:solidFill>
+            </a:endParaRPr>
+          </a:p>
+        </p:txBody>
+      </p:sp>
+      <p:sp>
+        <p:nvSpPr>
+          <p:cNvPr id="8" name="ZoneTexte 7"/>
+          <p:cNvSpPr txBox="1"/>
+          <p:nvPr/>
+        </p:nvSpPr>
+        <p:spPr>
+          <a:xfrm>
+            <a:off x="2578093" y="3791927"/>
+            <a:ext cx="7174523" cy="1754326"/>
+          </a:xfrm>
+          <a:prstGeom prst="rect">
+            <a:avLst/>
+          </a:prstGeom>
+          <a:noFill/>
+        </p:spPr>
+        <p:txBody>
+          <a:bodyPr wrap="square" rtlCol="0">
+            <a:spAutoFit/>
+          </a:bodyPr>
+          <a:lstStyle/>
+          <a:p>
+            <a:pPr algn="ctr"/>
+            <a:r>
+              <a:rPr lang="fr-FR" sz="3600" b="1" dirty="0" smtClean="0">
+                <a:solidFill>
+                  <a:srgbClr val="FF0000"/>
+                </a:solidFill>
+              </a:rPr>
+              <a:t>Merci pour votre attention ! </a:t>
+            </a:r>
+          </a:p>
+          <a:p>
+            <a:pPr algn="ctr"/>
+            <a:endParaRPr lang="fr-FR" sz="3600" b="1" dirty="0">
+              <a:solidFill>
+                <a:srgbClr val="FF0000"/>
+              </a:solidFill>
+            </a:endParaRPr>
+          </a:p>
+          <a:p>
+            <a:pPr algn="ctr"/>
+            <a:r>
+              <a:rPr lang="fr-FR" sz="3600" b="1" dirty="0" smtClean="0">
+                <a:solidFill>
+                  <a:srgbClr val="FF0000"/>
+                </a:solidFill>
+              </a:rPr>
+              <a:t>Des questions !</a:t>
+            </a:r>
+            <a:endParaRPr lang="fr-FR" sz="3600" b="1" dirty="0">
+              <a:solidFill>
+                <a:srgbClr val="FF0000"/>
+              </a:solidFill>
+            </a:endParaRPr>
           </a:p>
         </p:txBody>
       </p:sp>
@@ -9461,7 +9720,7 @@
             <a:pPr lvl="3"/>
             <a:r>
               <a:rPr lang="fr-FR" sz="1400" b="1" dirty="0" smtClean="0"/>
-              <a:t>        -t TIMES_TRING: les valeurs du trois </a:t>
+              <a:t>        -t TIMES_STRING: les valeurs du trois </a:t>
             </a:r>
             <a:r>
               <a:rPr lang="fr-FR" sz="1400" b="1" dirty="0" err="1" smtClean="0"/>
@@ -11283,7 +11542,7 @@
         <p:spPr>
           <a:xfrm>
             <a:off x="1630475" y="1201746"/>
-            <a:ext cx="9729186" cy="4139595"/>
+            <a:ext cx="8023479" cy="4693593"/>
           </a:xfrm>
           <a:prstGeom prst="rect">
             <a:avLst/>
@@ -11296,119 +11555,97 @@
           </a:bodyPr>
           <a:lstStyle/>
           <a:p>
-            <a:pPr marL="285750" indent="-285750">
-              <a:buFont typeface="Wingdings" panose="05000000000000000000" pitchFamily="2" charset="2"/>
-              <a:buChar char="ü"/>
-            </a:pPr>
             <a:r>
               <a:rPr lang="fr-FR" dirty="0" smtClean="0"/>
-              <a:t>Côté PC :</a:t>
-            </a:r>
+              <a:t>Option 1: boucle infinie</a:t>
+            </a:r>
+          </a:p>
+          <a:p>
+            <a:endParaRPr lang="fr-FR" dirty="0"/>
+          </a:p>
+          <a:p>
+            <a:r>
+              <a:rPr lang="fr-FR" dirty="0" smtClean="0"/>
+              <a:t>Option 2: nombre d’itération </a:t>
+            </a:r>
+          </a:p>
+          <a:p>
+            <a:endParaRPr lang="fr-FR" dirty="0"/>
           </a:p>
           <a:p>
             <a:r>
               <a:rPr lang="fr-FR" dirty="0"/>
-              <a:t> </a:t>
+              <a:t>Option </a:t>
+            </a:r>
+            <a:r>
+              <a:rPr lang="fr-FR" dirty="0" smtClean="0"/>
+              <a:t>3 </a:t>
+            </a:r>
+            <a:r>
+              <a:rPr lang="fr-FR" dirty="0"/>
+              <a:t>: l’exclusion mutuelle entre boucle et </a:t>
+            </a:r>
+            <a:r>
+              <a:rPr lang="fr-FR" dirty="0" smtClean="0"/>
+              <a:t>itération</a:t>
+            </a:r>
+          </a:p>
+          <a:p>
+            <a:endParaRPr lang="fr-FR" dirty="0"/>
+          </a:p>
+          <a:p>
+            <a:r>
+              <a:rPr lang="fr-FR" dirty="0" smtClean="0"/>
+              <a:t>Option 4 :  gestion des temps pour les </a:t>
+            </a:r>
+            <a:r>
+              <a:rPr lang="fr-FR" dirty="0" err="1" smtClean="0"/>
+              <a:t>Timers</a:t>
             </a:r>
             <a:endParaRPr lang="fr-FR" dirty="0" smtClean="0"/>
           </a:p>
           <a:p>
+            <a:endParaRPr lang="fr-FR" dirty="0"/>
+          </a:p>
+          <a:p>
+            <a:r>
+              <a:rPr lang="fr-FR" dirty="0" smtClean="0"/>
+              <a:t>Option 5 : gestion des valeurs par défaut</a:t>
+            </a:r>
+          </a:p>
+          <a:p>
+            <a:endParaRPr lang="fr-FR" dirty="0"/>
+          </a:p>
+          <a:p>
+            <a:r>
+              <a:rPr lang="fr-FR" dirty="0" smtClean="0"/>
+              <a:t>Option 6 :  gestion des erreurs :</a:t>
+            </a:r>
+          </a:p>
+          <a:p>
+            <a:r>
+              <a:rPr lang="fr-FR" dirty="0" smtClean="0"/>
+              <a:t>                               - trame trop longue (si taille &gt; 256 octets)</a:t>
+            </a:r>
+          </a:p>
+          <a:p>
             <a:r>
               <a:rPr lang="fr-FR" dirty="0"/>
-              <a:t> </a:t>
+              <a:t>	</a:t>
             </a:r>
             <a:r>
               <a:rPr lang="fr-FR" dirty="0" smtClean="0"/>
-              <a:t>          - Vérification de la commande</a:t>
-            </a:r>
-          </a:p>
-          <a:p>
-            <a:r>
-              <a:rPr lang="fr-FR" dirty="0"/>
-              <a:t> </a:t>
-            </a:r>
+              <a:t>			  - message vide </a:t>
+            </a:r>
+          </a:p>
+          <a:p>
+            <a:endParaRPr lang="fr-FR" dirty="0"/>
+          </a:p>
+          <a:p>
             <a:r>
               <a:rPr lang="fr-FR" dirty="0" smtClean="0"/>
-              <a:t>          - Création de la trame</a:t>
-            </a:r>
-          </a:p>
-          <a:p>
-            <a:r>
-              <a:rPr lang="fr-FR" dirty="0"/>
-              <a:t> </a:t>
-            </a:r>
-            <a:r>
-              <a:rPr lang="fr-FR" dirty="0" smtClean="0"/>
-              <a:t>          - l’envoie du trame vers la carte</a:t>
-            </a:r>
-          </a:p>
-          <a:p>
-            <a:endParaRPr lang="fr-FR" dirty="0"/>
-          </a:p>
-          <a:p>
-            <a:r>
-              <a:rPr lang="fr-FR" dirty="0" smtClean="0"/>
-              <a:t> </a:t>
-            </a:r>
-            <a:r>
-              <a:rPr lang="fr-FR" dirty="0"/>
-              <a:t>Côté </a:t>
-            </a:r>
-            <a:r>
-              <a:rPr lang="fr-FR" dirty="0" smtClean="0"/>
-              <a:t>microcontrôleur :</a:t>
-            </a:r>
-          </a:p>
-          <a:p>
-            <a:endParaRPr lang="fr-FR" dirty="0"/>
-          </a:p>
-          <a:p>
-            <a:r>
-              <a:rPr lang="fr-FR" dirty="0" smtClean="0"/>
-              <a:t>            - La réception de la trame</a:t>
-            </a:r>
-          </a:p>
-          <a:p>
-            <a:r>
-              <a:rPr lang="fr-FR" dirty="0"/>
-              <a:t> </a:t>
-            </a:r>
-            <a:r>
-              <a:rPr lang="fr-FR" dirty="0" smtClean="0"/>
-              <a:t>           - La </a:t>
-            </a:r>
-            <a:r>
-              <a:rPr lang="fr-FR" dirty="0" err="1" smtClean="0"/>
-              <a:t>désencapsulation</a:t>
-            </a:r>
-            <a:r>
-              <a:rPr lang="fr-FR" dirty="0" smtClean="0"/>
-              <a:t> de la trame </a:t>
-            </a:r>
-          </a:p>
-          <a:p>
-            <a:r>
-              <a:rPr lang="fr-FR" dirty="0"/>
-              <a:t> </a:t>
-            </a:r>
-            <a:r>
-              <a:rPr lang="fr-FR" dirty="0" smtClean="0"/>
-              <a:t>           - Le traitement des données </a:t>
-            </a:r>
-          </a:p>
-          <a:p>
-            <a:r>
-              <a:rPr lang="fr-FR" dirty="0"/>
-              <a:t> </a:t>
-            </a:r>
-            <a:r>
-              <a:rPr lang="fr-FR" dirty="0" smtClean="0"/>
-              <a:t>           - L’affichage du message via la LED</a:t>
-            </a:r>
-            <a:endParaRPr lang="fr-FR" dirty="0"/>
-          </a:p>
-          <a:p>
-            <a:endParaRPr lang="fr-FR" dirty="0" smtClean="0"/>
+              <a:t>Option 7 : arrêt du programme</a:t>
+            </a:r>
           </a:p>
           <a:p>
             <a:endParaRPr lang="fr-FR" dirty="0"/>
@@ -11461,44 +11698,6 @@
       </p:grpSpPr>
       <p:sp>
         <p:nvSpPr>
-          <p:cNvPr id="2" name="Titre 1"/>
-          <p:cNvSpPr>
-            <a:spLocks noGrp="1"/>
-          </p:cNvSpPr>
-          <p:nvPr>
-            <p:ph type="title"/>
-          </p:nvPr>
-        </p:nvSpPr>
-        <p:spPr/>
-        <p:txBody>
-          <a:bodyPr/>
-          <a:lstStyle/>
-          <a:p>
-            <a:endParaRPr lang="fr-FR"/>
-          </a:p>
-        </p:txBody>
-      </p:sp>
-      <p:sp>
-        <p:nvSpPr>
-          <p:cNvPr id="3" name="Espace réservé du contenu 2"/>
-          <p:cNvSpPr>
-            <a:spLocks noGrp="1"/>
-          </p:cNvSpPr>
-          <p:nvPr>
-            <p:ph idx="1"/>
-          </p:nvPr>
-        </p:nvSpPr>
-        <p:spPr/>
-        <p:txBody>
-          <a:bodyPr/>
-          <a:lstStyle/>
-          <a:p>
-            <a:endParaRPr lang="fr-FR"/>
-          </a:p>
-        </p:txBody>
-      </p:sp>
-      <p:sp>
-        <p:nvSpPr>
           <p:cNvPr id="4" name="Espace réservé du numéro de diapositive 3"/>
           <p:cNvSpPr>
             <a:spLocks noGrp="1"/>
@@ -11517,6 +11716,183 @@
               <a:t>8</a:t>
             </a:fld>
             <a:endParaRPr lang="fr-FR"/>
+          </a:p>
+        </p:txBody>
+      </p:sp>
+      <p:pic>
+        <p:nvPicPr>
+          <p:cNvPr id="5" name="Image 4"/>
+          <p:cNvPicPr>
+            <a:picLocks noChangeAspect="1"/>
+          </p:cNvPicPr>
+          <p:nvPr/>
+        </p:nvPicPr>
+        <p:blipFill>
+          <a:blip r:embed="rId2" cstate="print">
+            <a:extLst>
+              <a:ext uri="{28A0092B-C50C-407E-A947-70E740481C1C}">
+                <a14:useLocalDpi xmlns:a14="http://schemas.microsoft.com/office/drawing/2010/main" val="0"/>
+              </a:ext>
+            </a:extLst>
+          </a:blip>
+          <a:stretch>
+            <a:fillRect/>
+          </a:stretch>
+        </p:blipFill>
+        <p:spPr>
+          <a:xfrm>
+            <a:off x="10367772" y="13258"/>
+            <a:ext cx="1812188" cy="1175535"/>
+          </a:xfrm>
+          <a:prstGeom prst="rect">
+            <a:avLst/>
+          </a:prstGeom>
+        </p:spPr>
+      </p:pic>
+      <p:sp>
+        <p:nvSpPr>
+          <p:cNvPr id="6" name="Rectangle 5"/>
+          <p:cNvSpPr/>
+          <p:nvPr/>
+        </p:nvSpPr>
+        <p:spPr>
+          <a:xfrm>
+            <a:off x="1892877" y="339415"/>
+            <a:ext cx="3480440" cy="523220"/>
+          </a:xfrm>
+          <a:prstGeom prst="rect">
+            <a:avLst/>
+          </a:prstGeom>
+        </p:spPr>
+        <p:txBody>
+          <a:bodyPr wrap="none">
+            <a:spAutoFit/>
+          </a:bodyPr>
+          <a:lstStyle/>
+          <a:p>
+            <a:r>
+              <a:rPr lang="fr-FR" sz="2800" b="1" dirty="0" smtClean="0"/>
+              <a:t>Testes et validation</a:t>
+            </a:r>
+            <a:endParaRPr lang="fr-FR" sz="2800" b="1" dirty="0"/>
+          </a:p>
+        </p:txBody>
+      </p:sp>
+      <p:sp>
+        <p:nvSpPr>
+          <p:cNvPr id="7" name="ZoneTexte 6"/>
+          <p:cNvSpPr txBox="1"/>
+          <p:nvPr/>
+        </p:nvSpPr>
+        <p:spPr>
+          <a:xfrm>
+            <a:off x="1630475" y="1201746"/>
+            <a:ext cx="9052179" cy="3031599"/>
+          </a:xfrm>
+          <a:prstGeom prst="rect">
+            <a:avLst/>
+          </a:prstGeom>
+          <a:noFill/>
+        </p:spPr>
+        <p:txBody>
+          <a:bodyPr wrap="square" rtlCol="0">
+            <a:spAutoFit/>
+          </a:bodyPr>
+          <a:lstStyle/>
+          <a:p>
+            <a:pPr marL="285750" indent="-285750">
+              <a:buFont typeface="Wingdings" panose="05000000000000000000" pitchFamily="2" charset="2"/>
+              <a:buChar char="ü"/>
+            </a:pPr>
+            <a:r>
+              <a:rPr lang="fr-FR" dirty="0" smtClean="0"/>
+              <a:t>Relecture par les pairs : vérification</a:t>
+            </a:r>
+          </a:p>
+          <a:p>
+            <a:pPr marL="285750" indent="-285750">
+              <a:buFont typeface="Wingdings" panose="05000000000000000000" pitchFamily="2" charset="2"/>
+              <a:buChar char="ü"/>
+            </a:pPr>
+            <a:endParaRPr lang="fr-FR" dirty="0"/>
+          </a:p>
+          <a:p>
+            <a:pPr marL="285750" indent="-285750">
+              <a:buFont typeface="Wingdings" panose="05000000000000000000" pitchFamily="2" charset="2"/>
+              <a:buChar char="ü"/>
+            </a:pPr>
+            <a:r>
+              <a:rPr lang="fr-FR" dirty="0" smtClean="0"/>
+              <a:t>Le rythme du code morse n’est pas respecté</a:t>
+            </a:r>
+          </a:p>
+          <a:p>
+            <a:r>
+              <a:rPr lang="fr-FR" dirty="0"/>
+              <a:t> </a:t>
+            </a:r>
+            <a:r>
+              <a:rPr lang="fr-FR" dirty="0" smtClean="0"/>
+              <a:t>    </a:t>
+            </a:r>
+          </a:p>
+          <a:p>
+            <a:r>
+              <a:rPr lang="fr-FR" dirty="0"/>
+              <a:t> </a:t>
+            </a:r>
+            <a:r>
+              <a:rPr lang="fr-FR" dirty="0" smtClean="0"/>
+              <a:t>                - Correction réalisée </a:t>
+            </a:r>
+          </a:p>
+          <a:p>
+            <a:endParaRPr lang="fr-FR" dirty="0"/>
+          </a:p>
+          <a:p>
+            <a:pPr marL="285750" indent="-285750">
+              <a:buFont typeface="Wingdings" panose="05000000000000000000" pitchFamily="2" charset="2"/>
+              <a:buChar char="ü"/>
+            </a:pPr>
+            <a:r>
+              <a:rPr lang="fr-FR" dirty="0" smtClean="0"/>
+              <a:t>L’utilisation spécifique des périphériques de </a:t>
+            </a:r>
+            <a:r>
+              <a:rPr lang="fr-FR" dirty="0" err="1" smtClean="0"/>
+              <a:t>Timers</a:t>
+            </a:r>
+            <a:r>
+              <a:rPr lang="fr-FR" dirty="0" smtClean="0"/>
+              <a:t> (TIM2, TIM3 et TIM4)</a:t>
+            </a:r>
+          </a:p>
+          <a:p>
+            <a:pPr marL="285750" indent="-285750">
+              <a:buFont typeface="Wingdings" panose="05000000000000000000" pitchFamily="2" charset="2"/>
+              <a:buChar char="ü"/>
+            </a:pPr>
+            <a:endParaRPr lang="fr-FR" dirty="0"/>
+          </a:p>
+          <a:p>
+            <a:pPr marL="285750" indent="-285750">
+              <a:buFont typeface="Wingdings" panose="05000000000000000000" pitchFamily="2" charset="2"/>
+              <a:buChar char="ü"/>
+            </a:pPr>
+            <a:r>
+              <a:rPr lang="fr-FR" dirty="0" smtClean="0"/>
+              <a:t>Vérification de la conformité des paramètres d’entrés </a:t>
+            </a:r>
+          </a:p>
+          <a:p>
+            <a:endParaRPr lang="fr-FR" dirty="0"/>
+          </a:p>
+          <a:p>
+            <a:endParaRPr lang="fr-FR" sz="1100" b="1" dirty="0">
+              <a:solidFill>
+                <a:srgbClr val="FF0000"/>
+              </a:solidFill>
+            </a:endParaRPr>
           </a:p>
         </p:txBody>
       </p:sp>
@@ -11552,44 +11928,6 @@
       </p:grpSpPr>
       <p:sp>
         <p:nvSpPr>
-          <p:cNvPr id="2" name="Titre 1"/>
-          <p:cNvSpPr>
-            <a:spLocks noGrp="1"/>
-          </p:cNvSpPr>
-          <p:nvPr>
-            <p:ph type="title"/>
-          </p:nvPr>
-        </p:nvSpPr>
-        <p:spPr/>
-        <p:txBody>
-          <a:bodyPr/>
-          <a:lstStyle/>
-          <a:p>
-            <a:endParaRPr lang="fr-FR"/>
-          </a:p>
-        </p:txBody>
-      </p:sp>
-      <p:sp>
-        <p:nvSpPr>
-          <p:cNvPr id="3" name="Espace réservé du contenu 2"/>
-          <p:cNvSpPr>
-            <a:spLocks noGrp="1"/>
-          </p:cNvSpPr>
-          <p:nvPr>
-            <p:ph idx="1"/>
-          </p:nvPr>
-        </p:nvSpPr>
-        <p:spPr/>
-        <p:txBody>
-          <a:bodyPr/>
-          <a:lstStyle/>
-          <a:p>
-            <a:endParaRPr lang="fr-FR"/>
-          </a:p>
-        </p:txBody>
-      </p:sp>
-      <p:sp>
-        <p:nvSpPr>
           <p:cNvPr id="4" name="Espace réservé du numéro de diapositive 3"/>
           <p:cNvSpPr>
             <a:spLocks noGrp="1"/>
@@ -11608,6 +11946,156 @@
               <a:t>9</a:t>
             </a:fld>
             <a:endParaRPr lang="fr-FR"/>
+          </a:p>
+        </p:txBody>
+      </p:sp>
+      <p:pic>
+        <p:nvPicPr>
+          <p:cNvPr id="5" name="Image 4"/>
+          <p:cNvPicPr>
+            <a:picLocks noChangeAspect="1"/>
+          </p:cNvPicPr>
+          <p:nvPr/>
+        </p:nvPicPr>
+        <p:blipFill>
+          <a:blip r:embed="rId2" cstate="print">
+            <a:extLst>
+              <a:ext uri="{28A0092B-C50C-407E-A947-70E740481C1C}">
+                <a14:useLocalDpi xmlns:a14="http://schemas.microsoft.com/office/drawing/2010/main" val="0"/>
+              </a:ext>
+            </a:extLst>
+          </a:blip>
+          <a:stretch>
+            <a:fillRect/>
+          </a:stretch>
+        </p:blipFill>
+        <p:spPr>
+          <a:xfrm>
+            <a:off x="10367772" y="13258"/>
+            <a:ext cx="1812188" cy="1175535"/>
+          </a:xfrm>
+          <a:prstGeom prst="rect">
+            <a:avLst/>
+          </a:prstGeom>
+        </p:spPr>
+      </p:pic>
+      <p:sp>
+        <p:nvSpPr>
+          <p:cNvPr id="6" name="Rectangle 5"/>
+          <p:cNvSpPr/>
+          <p:nvPr/>
+        </p:nvSpPr>
+        <p:spPr>
+          <a:xfrm>
+            <a:off x="1892877" y="339415"/>
+            <a:ext cx="4011034" cy="523220"/>
+          </a:xfrm>
+          <a:prstGeom prst="rect">
+            <a:avLst/>
+          </a:prstGeom>
+        </p:spPr>
+        <p:txBody>
+          <a:bodyPr wrap="none">
+            <a:spAutoFit/>
+          </a:bodyPr>
+          <a:lstStyle/>
+          <a:p>
+            <a:r>
+              <a:rPr lang="fr-FR" sz="2800" b="1" dirty="0" smtClean="0"/>
+              <a:t>Difficultés rencontrées</a:t>
+            </a:r>
+            <a:endParaRPr lang="fr-FR" sz="2800" b="1" dirty="0"/>
+          </a:p>
+        </p:txBody>
+      </p:sp>
+      <p:sp>
+        <p:nvSpPr>
+          <p:cNvPr id="7" name="ZoneTexte 6"/>
+          <p:cNvSpPr txBox="1"/>
+          <p:nvPr/>
+        </p:nvSpPr>
+        <p:spPr>
+          <a:xfrm>
+            <a:off x="2087675" y="2678853"/>
+            <a:ext cx="9052179" cy="2754600"/>
+          </a:xfrm>
+          <a:prstGeom prst="rect">
+            <a:avLst/>
+          </a:prstGeom>
+          <a:noFill/>
+        </p:spPr>
+        <p:txBody>
+          <a:bodyPr wrap="square" rtlCol="0">
+            <a:spAutoFit/>
+          </a:bodyPr>
+          <a:lstStyle/>
+          <a:p>
+            <a:pPr marL="285750" indent="-285750">
+              <a:buFont typeface="Wingdings" panose="05000000000000000000" pitchFamily="2" charset="2"/>
+              <a:buChar char="ü"/>
+            </a:pPr>
+            <a:r>
+              <a:rPr lang="fr-FR" dirty="0" smtClean="0"/>
+              <a:t>La gestion des horloges </a:t>
+            </a:r>
+          </a:p>
+          <a:p>
+            <a:pPr marL="285750" indent="-285750">
+              <a:buFont typeface="Wingdings" panose="05000000000000000000" pitchFamily="2" charset="2"/>
+              <a:buChar char="ü"/>
+            </a:pPr>
+            <a:endParaRPr lang="fr-FR" dirty="0"/>
+          </a:p>
+          <a:p>
+            <a:pPr marL="285750" indent="-285750">
+              <a:buFont typeface="Wingdings" panose="05000000000000000000" pitchFamily="2" charset="2"/>
+              <a:buChar char="ü"/>
+            </a:pPr>
+            <a:r>
+              <a:rPr lang="fr-FR" dirty="0" smtClean="0"/>
+              <a:t>La configuration de l’UART</a:t>
+            </a:r>
+          </a:p>
+          <a:p>
+            <a:pPr marL="285750" indent="-285750">
+              <a:buFont typeface="Wingdings" panose="05000000000000000000" pitchFamily="2" charset="2"/>
+              <a:buChar char="ü"/>
+            </a:pPr>
+            <a:endParaRPr lang="fr-FR" dirty="0"/>
+          </a:p>
+          <a:p>
+            <a:pPr marL="285750" indent="-285750">
+              <a:buFont typeface="Wingdings" panose="05000000000000000000" pitchFamily="2" charset="2"/>
+              <a:buChar char="ü"/>
+            </a:pPr>
+            <a:r>
+              <a:rPr lang="fr-FR" dirty="0" smtClean="0"/>
+              <a:t>L’apparition d’un caractère fantôme entre la réception de la trame et son traitement </a:t>
+            </a:r>
+          </a:p>
+          <a:p>
+            <a:pPr marL="285750" indent="-285750">
+              <a:buFont typeface="Wingdings" panose="05000000000000000000" pitchFamily="2" charset="2"/>
+              <a:buChar char="ü"/>
+            </a:pPr>
+            <a:endParaRPr lang="fr-FR" dirty="0"/>
+          </a:p>
+          <a:p>
+            <a:pPr marL="285750" indent="-285750">
+              <a:buFont typeface="Wingdings" panose="05000000000000000000" pitchFamily="2" charset="2"/>
+              <a:buChar char="ü"/>
+            </a:pPr>
+            <a:endParaRPr lang="fr-FR" dirty="0" smtClean="0"/>
+          </a:p>
+          <a:p>
+            <a:endParaRPr lang="fr-FR" dirty="0"/>
+          </a:p>
+          <a:p>
+            <a:endParaRPr lang="fr-FR" sz="1100" b="1" dirty="0">
+              <a:solidFill>
+                <a:srgbClr val="FF0000"/>
+              </a:solidFill>
+            </a:endParaRPr>
           </a:p>
         </p:txBody>
       </p:sp>
